--- a/python_blockchain_project.pptx
+++ b/python_blockchain_project.pptx
@@ -636,7 +636,7 @@
           <a:p>
             <a:fld id="{55DF3348-6103-4134-9409-8FD5A9E0AF49}" type="datetimeFigureOut">
               <a:rPr lang="en-US" smtClean="0"/>
-              <a:t>6/12/2024</a:t>
+              <a:t>6/13/2024</a:t>
             </a:fld>
             <a:endParaRPr lang="en-US"/>
           </a:p>
@@ -932,7 +932,7 @@
           <a:p>
             <a:fld id="{55DF3348-6103-4134-9409-8FD5A9E0AF49}" type="datetimeFigureOut">
               <a:rPr lang="en-US" smtClean="0"/>
-              <a:t>6/12/2024</a:t>
+              <a:t>6/13/2024</a:t>
             </a:fld>
             <a:endParaRPr lang="en-US"/>
           </a:p>
@@ -1180,7 +1180,7 @@
           <a:p>
             <a:fld id="{55DF3348-6103-4134-9409-8FD5A9E0AF49}" type="datetimeFigureOut">
               <a:rPr lang="en-US" smtClean="0"/>
-              <a:t>6/12/2024</a:t>
+              <a:t>6/13/2024</a:t>
             </a:fld>
             <a:endParaRPr lang="en-US"/>
           </a:p>
@@ -1720,7 +1720,7 @@
           <a:p>
             <a:fld id="{55DF3348-6103-4134-9409-8FD5A9E0AF49}" type="datetimeFigureOut">
               <a:rPr lang="en-US" smtClean="0"/>
-              <a:t>6/12/2024</a:t>
+              <a:t>6/13/2024</a:t>
             </a:fld>
             <a:endParaRPr lang="en-US"/>
           </a:p>
@@ -1968,7 +1968,7 @@
           <a:p>
             <a:fld id="{55DF3348-6103-4134-9409-8FD5A9E0AF49}" type="datetimeFigureOut">
               <a:rPr lang="en-US" smtClean="0"/>
-              <a:t>6/12/2024</a:t>
+              <a:t>6/13/2024</a:t>
             </a:fld>
             <a:endParaRPr lang="en-US"/>
           </a:p>
@@ -2500,7 +2500,7 @@
           <a:p>
             <a:fld id="{55DF3348-6103-4134-9409-8FD5A9E0AF49}" type="datetimeFigureOut">
               <a:rPr lang="en-US" smtClean="0"/>
-              <a:t>6/12/2024</a:t>
+              <a:t>6/13/2024</a:t>
             </a:fld>
             <a:endParaRPr lang="en-US"/>
           </a:p>
@@ -2797,7 +2797,7 @@
           <a:p>
             <a:fld id="{55DF3348-6103-4134-9409-8FD5A9E0AF49}" type="datetimeFigureOut">
               <a:rPr lang="en-US" smtClean="0"/>
-              <a:t>6/12/2024</a:t>
+              <a:t>6/13/2024</a:t>
             </a:fld>
             <a:endParaRPr lang="en-US"/>
           </a:p>
@@ -2971,7 +2971,7 @@
           <a:p>
             <a:fld id="{55DF3348-6103-4134-9409-8FD5A9E0AF49}" type="datetimeFigureOut">
               <a:rPr lang="en-US" smtClean="0"/>
-              <a:t>6/12/2024</a:t>
+              <a:t>6/13/2024</a:t>
             </a:fld>
             <a:endParaRPr lang="en-US"/>
           </a:p>
@@ -3151,7 +3151,7 @@
           <a:p>
             <a:fld id="{55DF3348-6103-4134-9409-8FD5A9E0AF49}" type="datetimeFigureOut">
               <a:rPr lang="en-US" smtClean="0"/>
-              <a:t>6/12/2024</a:t>
+              <a:t>6/13/2024</a:t>
             </a:fld>
             <a:endParaRPr lang="en-US"/>
           </a:p>
@@ -3321,7 +3321,7 @@
           <a:p>
             <a:fld id="{55DF3348-6103-4134-9409-8FD5A9E0AF49}" type="datetimeFigureOut">
               <a:rPr lang="en-US" smtClean="0"/>
-              <a:t>6/12/2024</a:t>
+              <a:t>6/13/2024</a:t>
             </a:fld>
             <a:endParaRPr lang="en-US"/>
           </a:p>
@@ -3572,7 +3572,7 @@
           <a:p>
             <a:fld id="{55DF3348-6103-4134-9409-8FD5A9E0AF49}" type="datetimeFigureOut">
               <a:rPr lang="en-US" smtClean="0"/>
-              <a:t>6/12/2024</a:t>
+              <a:t>6/13/2024</a:t>
             </a:fld>
             <a:endParaRPr lang="en-US"/>
           </a:p>
@@ -3869,7 +3869,7 @@
           <a:p>
             <a:fld id="{55DF3348-6103-4134-9409-8FD5A9E0AF49}" type="datetimeFigureOut">
               <a:rPr lang="en-US" smtClean="0"/>
-              <a:t>6/12/2024</a:t>
+              <a:t>6/13/2024</a:t>
             </a:fld>
             <a:endParaRPr lang="en-US"/>
           </a:p>
@@ -4311,7 +4311,7 @@
           <a:p>
             <a:fld id="{55DF3348-6103-4134-9409-8FD5A9E0AF49}" type="datetimeFigureOut">
               <a:rPr lang="en-US" smtClean="0"/>
-              <a:t>6/12/2024</a:t>
+              <a:t>6/13/2024</a:t>
             </a:fld>
             <a:endParaRPr lang="en-US"/>
           </a:p>
@@ -4429,7 +4429,7 @@
           <a:p>
             <a:fld id="{55DF3348-6103-4134-9409-8FD5A9E0AF49}" type="datetimeFigureOut">
               <a:rPr lang="en-US" smtClean="0"/>
-              <a:t>6/12/2024</a:t>
+              <a:t>6/13/2024</a:t>
             </a:fld>
             <a:endParaRPr lang="en-US"/>
           </a:p>
@@ -4524,7 +4524,7 @@
           <a:p>
             <a:fld id="{55DF3348-6103-4134-9409-8FD5A9E0AF49}" type="datetimeFigureOut">
               <a:rPr lang="en-US" smtClean="0"/>
-              <a:t>6/12/2024</a:t>
+              <a:t>6/13/2024</a:t>
             </a:fld>
             <a:endParaRPr lang="en-US"/>
           </a:p>
@@ -4807,7 +4807,7 @@
           <a:p>
             <a:fld id="{55DF3348-6103-4134-9409-8FD5A9E0AF49}" type="datetimeFigureOut">
               <a:rPr lang="en-US" smtClean="0"/>
-              <a:t>6/12/2024</a:t>
+              <a:t>6/13/2024</a:t>
             </a:fld>
             <a:endParaRPr lang="en-US"/>
           </a:p>
@@ -5098,7 +5098,7 @@
           <a:p>
             <a:fld id="{55DF3348-6103-4134-9409-8FD5A9E0AF49}" type="datetimeFigureOut">
               <a:rPr lang="en-US" smtClean="0"/>
-              <a:t>6/12/2024</a:t>
+              <a:t>6/13/2024</a:t>
             </a:fld>
             <a:endParaRPr lang="en-US"/>
           </a:p>
@@ -5628,7 +5628,7 @@
           <a:p>
             <a:fld id="{55DF3348-6103-4134-9409-8FD5A9E0AF49}" type="datetimeFigureOut">
               <a:rPr lang="en-US" smtClean="0"/>
-              <a:t>6/12/2024</a:t>
+              <a:t>6/13/2024</a:t>
             </a:fld>
             <a:endParaRPr lang="en-US"/>
           </a:p>
@@ -6264,7 +6264,7 @@
           <a:p>
             <a:r>
               <a:rPr lang="en-US" sz="3200" dirty="0" smtClean="0"/>
-              <a:t>13/06/2024                                                                </a:t>
+              <a:t>14/06/2024                                                                </a:t>
             </a:r>
             <a:r>
               <a:rPr lang="en-US" sz="3200" dirty="0" smtClean="0">
@@ -7455,7 +7455,7 @@
       </p:grpSpPr>
       <p:pic>
         <p:nvPicPr>
-          <p:cNvPr id="3" name="Picture 2"/>
+          <p:cNvPr id="4" name="Picture 3"/>
           <p:cNvPicPr>
             <a:picLocks noChangeAspect="1"/>
           </p:cNvPicPr>
@@ -7463,36 +7463,6 @@
         </p:nvPicPr>
         <p:blipFill>
           <a:blip r:embed="rId2">
-            <a:extLst>
-              <a:ext uri="{28A0092B-C50C-407E-A947-70E740481C1C}">
-                <a14:useLocalDpi xmlns:a14="http://schemas.microsoft.com/office/drawing/2010/main" val="0"/>
-              </a:ext>
-            </a:extLst>
-          </a:blip>
-          <a:stretch>
-            <a:fillRect/>
-          </a:stretch>
-        </p:blipFill>
-        <p:spPr>
-          <a:xfrm>
-            <a:off x="2615974" y="410059"/>
-            <a:ext cx="8788852" cy="5855001"/>
-          </a:xfrm>
-          <a:prstGeom prst="rect">
-            <a:avLst/>
-          </a:prstGeom>
-        </p:spPr>
-      </p:pic>
-      <p:pic>
-        <p:nvPicPr>
-          <p:cNvPr id="4" name="Picture 3"/>
-          <p:cNvPicPr>
-            <a:picLocks noChangeAspect="1"/>
-          </p:cNvPicPr>
-          <p:nvPr/>
-        </p:nvPicPr>
-        <p:blipFill>
-          <a:blip r:embed="rId3">
             <a:extLst>
               <a:ext uri="{28A0092B-C50C-407E-A947-70E740481C1C}">
                 <a14:useLocalDpi xmlns:a14="http://schemas.microsoft.com/office/drawing/2010/main" val="0"/>
@@ -7587,7 +7557,7 @@
       </p:grpSpPr>
       <p:pic>
         <p:nvPicPr>
-          <p:cNvPr id="2" name="Picture 1"/>
+          <p:cNvPr id="5" name="Picture 4"/>
           <p:cNvPicPr>
             <a:picLocks noChangeAspect="1"/>
           </p:cNvPicPr>
@@ -7595,36 +7565,6 @@
         </p:nvPicPr>
         <p:blipFill>
           <a:blip r:embed="rId2">
-            <a:extLst>
-              <a:ext uri="{28A0092B-C50C-407E-A947-70E740481C1C}">
-                <a14:useLocalDpi xmlns:a14="http://schemas.microsoft.com/office/drawing/2010/main" val="0"/>
-              </a:ext>
-            </a:extLst>
-          </a:blip>
-          <a:stretch>
-            <a:fillRect/>
-          </a:stretch>
-        </p:blipFill>
-        <p:spPr>
-          <a:xfrm>
-            <a:off x="2615974" y="410059"/>
-            <a:ext cx="8788852" cy="5855001"/>
-          </a:xfrm>
-          <a:prstGeom prst="rect">
-            <a:avLst/>
-          </a:prstGeom>
-        </p:spPr>
-      </p:pic>
-      <p:pic>
-        <p:nvPicPr>
-          <p:cNvPr id="5" name="Picture 4"/>
-          <p:cNvPicPr>
-            <a:picLocks noChangeAspect="1"/>
-          </p:cNvPicPr>
-          <p:nvPr/>
-        </p:nvPicPr>
-        <p:blipFill>
-          <a:blip r:embed="rId3">
             <a:extLst>
               <a:ext uri="{28A0092B-C50C-407E-A947-70E740481C1C}">
                 <a14:useLocalDpi xmlns:a14="http://schemas.microsoft.com/office/drawing/2010/main" val="0"/>
@@ -14126,7 +14066,6 @@
               <a:rPr lang="en-US" sz="4400" dirty="0" smtClean="0"/>
               <a:t>Python Blockchain Project v1.0 </a:t>
             </a:r>
-            <a:endParaRPr lang="en-US" sz="4400" dirty="0" smtClean="0"/>
           </a:p>
           <a:p>
             <a:endParaRPr lang="en-US" sz="4400" dirty="0" smtClean="0"/>
